--- a/howtoreview/howtoreview.pptx
+++ b/howtoreview/howtoreview.pptx
@@ -219,7 +219,7 @@
           </a:lstStyle>
           <a:p>
             <a:fld id="{6B8D1B20-A248-FB47-8240-73C0C5F47C9D}" type="datetimeFigureOut">
-              <a:t>2021/1/13</a:t>
+              <a:t>2022/2/10</a:t>
             </a:fld>
             <a:endParaRPr kumimoji="1" lang="ja-JP" altLang="en-US"/>
           </a:p>
@@ -1076,7 +1076,7 @@
           <a:p>
             <a:pPr algn="ctr"/>
             <a:r>
-              <a:rPr lang="ja-JP" altLang="en-US" sz="3200" dirty="0" smtClean="0">
+              <a:rPr lang="ja-JP" altLang="en-US" sz="3200" dirty="0">
                 <a:solidFill>
                   <a:srgbClr val="011893"/>
                 </a:solidFill>
@@ -1084,7 +1084,7 @@
               <a:t>論文紹介</a:t>
             </a:r>
             <a:r>
-              <a:rPr lang="ja-JP" altLang="en-US" sz="3200" smtClean="0">
+              <a:rPr lang="ja-JP" altLang="en-US" sz="3200">
                 <a:solidFill>
                   <a:srgbClr val="011893"/>
                 </a:solidFill>
@@ -1200,8 +1200,8 @@
           <a:lstStyle/>
           <a:p>
             <a:r>
-              <a:rPr kumimoji="1" lang="en-US" altLang="ja-JP" sz="4000" smtClean="0"/>
-              <a:t>2021/01/14</a:t>
+              <a:rPr kumimoji="1" lang="en-US" altLang="ja-JP" sz="4000" dirty="0"/>
+              <a:t>2022/02/10</a:t>
             </a:r>
             <a:endParaRPr kumimoji="1" lang="ja-JP" altLang="en-US" sz="4000" dirty="0"/>
           </a:p>
@@ -1254,11 +1254,7 @@
           <a:p>
             <a:r>
               <a:rPr lang="ja-JP" altLang="en-US" dirty="0"/>
-              <a:t>グラフ</a:t>
-            </a:r>
-            <a:r>
-              <a:rPr lang="ja-JP" altLang="en-US" dirty="0" smtClean="0"/>
-              <a:t>の入れ方</a:t>
+              <a:t>グラフの入れ方</a:t>
             </a:r>
             <a:endParaRPr kumimoji="1" lang="ja-JP" altLang="en-US" dirty="0"/>
           </a:p>
@@ -1287,7 +1283,7 @@
           <a:lstStyle/>
           <a:p>
             <a:r>
-              <a:rPr lang="ja-JP" altLang="en-US" sz="3200" dirty="0" smtClean="0"/>
+              <a:rPr lang="ja-JP" altLang="en-US" sz="3200" dirty="0"/>
               <a:t>原則としてスライド一枚にグラフ一つ</a:t>
             </a:r>
             <a:endParaRPr kumimoji="1" lang="ja-JP" altLang="en-US" sz="3200" dirty="0"/>
@@ -1415,7 +1411,7 @@
           <a:p>
             <a:pPr algn="ctr"/>
             <a:r>
-              <a:rPr kumimoji="1" lang="en-US" altLang="ja-JP" dirty="0" smtClean="0">
+              <a:rPr kumimoji="1" lang="en-US" altLang="ja-JP" dirty="0">
                 <a:solidFill>
                   <a:schemeClr val="tx1"/>
                 </a:solidFill>
@@ -1453,14 +1449,13 @@
           <a:lstStyle/>
           <a:p>
             <a:r>
-              <a:rPr kumimoji="1" lang="en-US" altLang="ja-JP" sz="2400" dirty="0" smtClean="0"/>
+              <a:rPr kumimoji="1" lang="en-US" altLang="ja-JP" sz="2400" dirty="0"/>
               <a:t>14</a:t>
             </a:r>
             <a:r>
-              <a:rPr kumimoji="1" lang="ja-JP" altLang="en-US" sz="2400" dirty="0" smtClean="0"/>
+              <a:rPr kumimoji="1" lang="ja-JP" altLang="en-US" sz="2400" dirty="0"/>
               <a:t>倍に高速化</a:t>
             </a:r>
-            <a:endParaRPr kumimoji="1" lang="ja-JP" altLang="en-US" sz="2400" dirty="0"/>
           </a:p>
         </p:txBody>
       </p:sp>
@@ -1487,7 +1482,7 @@
           <a:lstStyle/>
           <a:p>
             <a:r>
-              <a:rPr lang="ja-JP" altLang="en-US" sz="2400" dirty="0" smtClean="0">
+              <a:rPr lang="ja-JP" altLang="en-US" sz="2400" dirty="0">
                 <a:solidFill>
                   <a:srgbClr val="011893"/>
                 </a:solidFill>
@@ -1495,26 +1490,26 @@
               <a:t>グラフを見てわかって欲しいこと</a:t>
             </a:r>
             <a:r>
-              <a:rPr lang="ja-JP" altLang="en-US" sz="2400" dirty="0" smtClean="0"/>
+              <a:rPr lang="ja-JP" altLang="en-US" sz="2400" dirty="0"/>
               <a:t>を</a:t>
             </a:r>
             <a:r>
-              <a:rPr lang="en-US" altLang="ja-JP" sz="2400" dirty="0" smtClean="0"/>
+              <a:rPr lang="en-US" altLang="ja-JP" sz="2400" dirty="0"/>
               <a:t>(</a:t>
             </a:r>
             <a:r>
-              <a:rPr lang="ja-JP" altLang="en-US" sz="2400" dirty="0" smtClean="0"/>
+              <a:rPr lang="ja-JP" altLang="en-US" sz="2400" dirty="0"/>
               <a:t>口頭で説明するだけではなく</a:t>
             </a:r>
             <a:r>
-              <a:rPr lang="en-US" altLang="ja-JP" sz="2400" dirty="0" smtClean="0"/>
+              <a:rPr lang="en-US" altLang="ja-JP" sz="2400" dirty="0"/>
               <a:t>)</a:t>
             </a:r>
             <a:r>
-              <a:rPr lang="ja-JP" altLang="en-US" sz="2400" dirty="0" smtClean="0"/>
+              <a:rPr lang="ja-JP" altLang="en-US" sz="2400" dirty="0"/>
               <a:t>グラフにも書いておくと良い</a:t>
             </a:r>
-            <a:endParaRPr kumimoji="1" lang="en-US" altLang="ja-JP" sz="2400" dirty="0" smtClean="0"/>
+            <a:endParaRPr kumimoji="1" lang="en-US" altLang="ja-JP" sz="2400" dirty="0"/>
           </a:p>
         </p:txBody>
       </p:sp>
@@ -1600,7 +1595,7 @@
           <a:lstStyle/>
           <a:p>
             <a:r>
-              <a:rPr lang="ja-JP" altLang="en-US" dirty="0" smtClean="0"/>
+              <a:rPr lang="ja-JP" altLang="en-US" dirty="0"/>
               <a:t>グラフの入れ方</a:t>
             </a:r>
             <a:endParaRPr kumimoji="1" lang="ja-JP" altLang="en-US" dirty="0"/>
@@ -1656,19 +1651,19 @@
           <a:lstStyle/>
           <a:p>
             <a:r>
-              <a:rPr lang="ja-JP" altLang="en-US" sz="2400" dirty="0" smtClean="0"/>
+              <a:rPr lang="ja-JP" altLang="en-US" sz="2400" dirty="0"/>
               <a:t>累積分布関数</a:t>
             </a:r>
             <a:r>
-              <a:rPr lang="en-US" altLang="ja-JP" sz="2400" dirty="0" smtClean="0"/>
+              <a:rPr lang="en-US" altLang="ja-JP" sz="2400" dirty="0"/>
               <a:t>(</a:t>
             </a:r>
             <a:r>
-              <a:rPr lang="ja-JP" altLang="en-US" sz="2400" dirty="0" smtClean="0"/>
+              <a:rPr lang="ja-JP" altLang="en-US" sz="2400" dirty="0"/>
               <a:t>生データ</a:t>
             </a:r>
             <a:r>
-              <a:rPr lang="en-US" altLang="ja-JP" sz="2400" dirty="0" smtClean="0"/>
+              <a:rPr lang="en-US" altLang="ja-JP" sz="2400" dirty="0"/>
               <a:t>)</a:t>
             </a:r>
             <a:endParaRPr kumimoji="1" lang="ja-JP" altLang="en-US" sz="2400" dirty="0"/>
@@ -1700,19 +1695,19 @@
           <a:lstStyle/>
           <a:p>
             <a:r>
-              <a:rPr lang="ja-JP" altLang="en-US" sz="2400" dirty="0" smtClean="0"/>
+              <a:rPr lang="ja-JP" altLang="en-US" sz="2400" dirty="0"/>
               <a:t>累積分布関数</a:t>
             </a:r>
             <a:r>
-              <a:rPr lang="en-US" altLang="ja-JP" sz="2400" dirty="0" smtClean="0"/>
+              <a:rPr lang="en-US" altLang="ja-JP" sz="2400" dirty="0"/>
               <a:t>(</a:t>
             </a:r>
             <a:r>
-              <a:rPr lang="ja-JP" altLang="en-US" sz="2400" dirty="0" smtClean="0"/>
+              <a:rPr lang="ja-JP" altLang="en-US" sz="2400" dirty="0"/>
               <a:t>スケール</a:t>
             </a:r>
             <a:r>
-              <a:rPr lang="en-US" altLang="ja-JP" sz="2400" dirty="0" smtClean="0"/>
+              <a:rPr lang="en-US" altLang="ja-JP" sz="2400" dirty="0"/>
               <a:t>)</a:t>
             </a:r>
             <a:endParaRPr kumimoji="1" lang="ja-JP" altLang="en-US" sz="2400" dirty="0"/>
@@ -1728,7 +1723,7 @@
           <p:nvPr/>
         </p:nvPicPr>
         <mc:AlternateContent xmlns:mc="http://schemas.openxmlformats.org/markup-compatibility/2006">
-          <mc:Choice xmlns:ma="http://schemas.microsoft.com/office/mac/drawingml/2008/main" xmlns:mv="urn:schemas-microsoft-com:mac:vml" xmlns="" Requires="ma">
+          <mc:Choice xmlns="" xmlns:mv="urn:schemas-microsoft-com:mac:vml" xmlns:ma="http://schemas.microsoft.com/office/mac/drawingml/2008/main" Requires="ma">
             <p:blipFill>
               <a:blip r:embed="rId7"/>
               <a:stretch>
@@ -1772,7 +1767,7 @@
           <p:nvPr/>
         </p:nvPicPr>
         <mc:AlternateContent xmlns:mc="http://schemas.openxmlformats.org/markup-compatibility/2006">
-          <mc:Choice xmlns:ma="http://schemas.microsoft.com/office/mac/drawingml/2008/main" xmlns:mv="urn:schemas-microsoft-com:mac:vml" xmlns="" Requires="ma">
+          <mc:Choice xmlns="" xmlns:mv="urn:schemas-microsoft-com:mac:vml" xmlns:ma="http://schemas.microsoft.com/office/mac/drawingml/2008/main" Requires="ma">
             <p:blipFill>
               <a:blip r:embed="rId9"/>
               <a:stretch>
@@ -1827,12 +1822,8 @@
           <a:lstStyle/>
           <a:p>
             <a:r>
-              <a:rPr lang="ja-JP" altLang="en-US" dirty="0" smtClean="0"/>
-              <a:t>気泡</a:t>
-            </a:r>
-            <a:r>
               <a:rPr lang="ja-JP" altLang="en-US" dirty="0"/>
-              <a:t>体積</a:t>
+              <a:t>気泡体積</a:t>
             </a:r>
             <a:endParaRPr kumimoji="1" lang="ja-JP" altLang="en-US" dirty="0"/>
           </a:p>
@@ -1861,7 +1852,7 @@
           <a:lstStyle/>
           <a:p>
             <a:r>
-              <a:rPr lang="ja-JP" altLang="en-US" sz="3200" dirty="0" smtClean="0"/>
+              <a:rPr lang="ja-JP" altLang="en-US" sz="3200" dirty="0"/>
               <a:t>比較させたい時には二つ入れても良い</a:t>
             </a:r>
             <a:endParaRPr kumimoji="1" lang="ja-JP" altLang="en-US" sz="3200" dirty="0"/>
@@ -1891,14 +1882,13 @@
           <a:lstStyle/>
           <a:p>
             <a:r>
-              <a:rPr lang="ja-JP" altLang="en-US" sz="2400" dirty="0" smtClean="0"/>
+              <a:rPr lang="ja-JP" altLang="en-US" sz="2400" dirty="0"/>
               <a:t>以下の例では、生データはバラバラだが、スケールすると一本の線に乗ることを</a:t>
             </a:r>
             <a:r>
-              <a:rPr kumimoji="1" lang="ja-JP" altLang="en-US" sz="2400" dirty="0" smtClean="0"/>
+              <a:rPr kumimoji="1" lang="ja-JP" altLang="en-US" sz="2400" dirty="0"/>
               <a:t>示したい</a:t>
             </a:r>
-            <a:endParaRPr kumimoji="1" lang="ja-JP" altLang="en-US" sz="2400" dirty="0"/>
           </a:p>
         </p:txBody>
       </p:sp>
@@ -1925,10 +1915,9 @@
           <a:lstStyle/>
           <a:p>
             <a:r>
-              <a:rPr kumimoji="1" lang="ja-JP" altLang="en-US" sz="2400" dirty="0" smtClean="0"/>
+              <a:rPr kumimoji="1" lang="ja-JP" altLang="en-US" sz="2400" dirty="0"/>
               <a:t>これが</a:t>
             </a:r>
-            <a:endParaRPr kumimoji="1" lang="ja-JP" altLang="en-US" sz="2400" dirty="0"/>
           </a:p>
         </p:txBody>
       </p:sp>
@@ -1955,12 +1944,8 @@
           <a:lstStyle/>
           <a:p>
             <a:r>
-              <a:rPr lang="ja-JP" altLang="en-US" sz="2400" dirty="0" smtClean="0"/>
-              <a:t>こうな</a:t>
-            </a:r>
-            <a:r>
               <a:rPr lang="ja-JP" altLang="en-US" sz="2400" dirty="0"/>
-              <a:t>る</a:t>
+              <a:t>こうなる</a:t>
             </a:r>
             <a:endParaRPr kumimoji="1" lang="ja-JP" altLang="en-US" sz="2400" dirty="0"/>
           </a:p>
@@ -2088,7 +2073,7 @@
           <a:lstStyle/>
           <a:p>
             <a:r>
-              <a:rPr lang="ja-JP" altLang="en-US" dirty="0" smtClean="0"/>
+              <a:rPr lang="ja-JP" altLang="en-US" dirty="0"/>
               <a:t>発表はゆっくりと</a:t>
             </a:r>
             <a:endParaRPr kumimoji="1" lang="ja-JP" altLang="en-US" dirty="0"/>
@@ -2159,7 +2144,7 @@
           <a:lstStyle/>
           <a:p>
             <a:r>
-              <a:rPr kumimoji="1" lang="ja-JP" altLang="en-US" sz="3200" dirty="0" smtClean="0">
+              <a:rPr kumimoji="1" lang="ja-JP" altLang="en-US" sz="3200" dirty="0">
                 <a:solidFill>
                   <a:srgbClr val="FF0000"/>
                 </a:solidFill>
@@ -2167,7 +2152,7 @@
               <a:t>スライド一枚</a:t>
             </a:r>
             <a:r>
-              <a:rPr lang="ja-JP" altLang="en-US" sz="3200" dirty="0" smtClean="0">
+              <a:rPr lang="ja-JP" altLang="en-US" sz="3200" dirty="0">
                 <a:solidFill>
                   <a:srgbClr val="FF0000"/>
                 </a:solidFill>
@@ -2175,7 +2160,7 @@
               <a:t>を</a:t>
             </a:r>
             <a:r>
-              <a:rPr kumimoji="1" lang="ja-JP" altLang="en-US" sz="3200" dirty="0" smtClean="0">
+              <a:rPr kumimoji="1" lang="ja-JP" altLang="en-US" sz="3200" dirty="0">
                 <a:solidFill>
                   <a:srgbClr val="FF0000"/>
                 </a:solidFill>
@@ -2183,10 +2168,9 @@
               <a:t>一分</a:t>
             </a:r>
             <a:r>
-              <a:rPr kumimoji="1" lang="ja-JP" altLang="en-US" sz="3200" dirty="0" smtClean="0"/>
+              <a:rPr kumimoji="1" lang="ja-JP" altLang="en-US" sz="3200" dirty="0"/>
               <a:t>が目安</a:t>
             </a:r>
-            <a:endParaRPr kumimoji="1" lang="ja-JP" altLang="en-US" sz="3200" dirty="0"/>
           </a:p>
         </p:txBody>
       </p:sp>
@@ -2213,17 +2197,16 @@
           <a:lstStyle/>
           <a:p>
             <a:r>
-              <a:rPr lang="ja-JP" altLang="en-US" sz="2800" dirty="0" smtClean="0"/>
+              <a:rPr lang="ja-JP" altLang="en-US" sz="2800" dirty="0"/>
               <a:t>原稿を用意しても良いが、本番では読み上げない</a:t>
             </a:r>
-            <a:endParaRPr lang="en-US" altLang="ja-JP" sz="2800" dirty="0" smtClean="0"/>
-          </a:p>
-          <a:p>
-            <a:r>
-              <a:rPr kumimoji="1" lang="ja-JP" altLang="en-US" sz="2800" dirty="0" smtClean="0"/>
+            <a:endParaRPr lang="en-US" altLang="ja-JP" sz="2800" dirty="0"/>
+          </a:p>
+          <a:p>
+            <a:r>
+              <a:rPr kumimoji="1" lang="ja-JP" altLang="en-US" sz="2800" dirty="0"/>
               <a:t>時間を計って練習すると良い</a:t>
             </a:r>
-            <a:endParaRPr kumimoji="1" lang="ja-JP" altLang="en-US" sz="2800" dirty="0"/>
           </a:p>
         </p:txBody>
       </p:sp>
@@ -2273,12 +2256,8 @@
           <a:lstStyle/>
           <a:p>
             <a:r>
-              <a:rPr lang="ja-JP" altLang="en-US" dirty="0" smtClean="0"/>
-              <a:t>まと</a:t>
-            </a:r>
-            <a:r>
               <a:rPr lang="ja-JP" altLang="en-US" dirty="0"/>
-              <a:t>め</a:t>
+              <a:t>まとめ</a:t>
             </a:r>
             <a:endParaRPr kumimoji="1" lang="ja-JP" altLang="en-US" dirty="0"/>
           </a:p>
@@ -2307,25 +2286,25 @@
           <a:lstStyle/>
           <a:p>
             <a:r>
-              <a:rPr kumimoji="1" lang="ja-JP" altLang="en-US" sz="3200" dirty="0" smtClean="0"/>
+              <a:rPr kumimoji="1" lang="ja-JP" altLang="en-US" sz="3200" dirty="0"/>
               <a:t>自分が感じた「面白さ」が伝わるようにする</a:t>
             </a:r>
-            <a:endParaRPr kumimoji="1" lang="en-US" altLang="ja-JP" sz="3200" dirty="0" smtClean="0"/>
-          </a:p>
-          <a:p>
-            <a:r>
-              <a:rPr kumimoji="1" lang="ja-JP" altLang="en-US" sz="3200" dirty="0" smtClean="0"/>
+            <a:endParaRPr kumimoji="1" lang="en-US" altLang="ja-JP" sz="3200" dirty="0"/>
+          </a:p>
+          <a:p>
+            <a:r>
+              <a:rPr kumimoji="1" lang="ja-JP" altLang="en-US" sz="3200" dirty="0"/>
               <a:t>情報を詰め込みすぎない</a:t>
             </a:r>
-            <a:endParaRPr kumimoji="1" lang="en-US" altLang="ja-JP" sz="3200" dirty="0" smtClean="0"/>
-          </a:p>
-          <a:p>
-            <a:r>
-              <a:rPr lang="ja-JP" altLang="en-US" sz="3200" dirty="0" smtClean="0"/>
+            <a:endParaRPr kumimoji="1" lang="en-US" altLang="ja-JP" sz="3200" dirty="0"/>
+          </a:p>
+          <a:p>
+            <a:r>
+              <a:rPr lang="ja-JP" altLang="en-US" sz="3200" dirty="0"/>
               <a:t>→「</a:t>
             </a:r>
             <a:r>
-              <a:rPr lang="ja-JP" altLang="en-US" sz="3200" dirty="0" smtClean="0">
+              <a:rPr lang="ja-JP" altLang="en-US" sz="3200" dirty="0">
                 <a:solidFill>
                   <a:srgbClr val="FF0000"/>
                 </a:solidFill>
@@ -2333,10 +2312,10 @@
               <a:t>何を話さないか</a:t>
             </a:r>
             <a:r>
-              <a:rPr lang="ja-JP" altLang="en-US" sz="3200" dirty="0" smtClean="0"/>
+              <a:rPr lang="ja-JP" altLang="en-US" sz="3200" dirty="0"/>
               <a:t>」が大事</a:t>
             </a:r>
-            <a:endParaRPr lang="en-US" altLang="ja-JP" sz="3200" dirty="0" smtClean="0"/>
+            <a:endParaRPr lang="en-US" altLang="ja-JP" sz="3200" dirty="0"/>
           </a:p>
         </p:txBody>
       </p:sp>
@@ -2363,15 +2342,7 @@
           <a:p>
             <a:r>
               <a:rPr lang="en-US" altLang="ja-JP" sz="3600" dirty="0"/>
-              <a:t>Tell the truth, nothing but the truth, but not </a:t>
-            </a:r>
-            <a:r>
-              <a:rPr lang="en-US" altLang="ja-JP" sz="3600" dirty="0" smtClean="0"/>
-              <a:t>the whole </a:t>
-            </a:r>
-            <a:r>
-              <a:rPr lang="en-US" altLang="ja-JP" sz="3600" dirty="0"/>
-              <a:t>truth.</a:t>
+              <a:t>Tell the truth, nothing but the truth, but not the whole truth.</a:t>
             </a:r>
           </a:p>
         </p:txBody>
@@ -2399,17 +2370,13 @@
           <a:p>
             <a:r>
               <a:rPr lang="ja-JP" altLang="en-US" sz="3200" dirty="0"/>
-              <a:t>質問やツッコミを過度に</a:t>
-            </a:r>
-            <a:r>
-              <a:rPr lang="ja-JP" altLang="en-US" sz="3200" dirty="0" smtClean="0"/>
-              <a:t>恐れない</a:t>
-            </a:r>
-            <a:endParaRPr lang="en-US" altLang="ja-JP" sz="3200" dirty="0" smtClean="0"/>
-          </a:p>
-          <a:p>
-            <a:r>
-              <a:rPr lang="ja-JP" altLang="en-US" sz="3200" dirty="0" smtClean="0"/>
+              <a:t>質問やツッコミを過度に恐れない</a:t>
+            </a:r>
+            <a:endParaRPr lang="en-US" altLang="ja-JP" sz="3200" dirty="0"/>
+          </a:p>
+          <a:p>
+            <a:r>
+              <a:rPr lang="ja-JP" altLang="en-US" sz="3200" dirty="0"/>
               <a:t>時間を計ってゆっくり話す練習をすること</a:t>
             </a:r>
             <a:endParaRPr lang="en-US" altLang="ja-JP" sz="3200" dirty="0"/>
@@ -2503,7 +2470,7 @@
           <a:lstStyle/>
           <a:p>
             <a:r>
-              <a:rPr lang="ja-JP" altLang="en-US" dirty="0" smtClean="0"/>
+              <a:rPr lang="ja-JP" altLang="en-US" dirty="0"/>
               <a:t>注意</a:t>
             </a:r>
             <a:endParaRPr kumimoji="1" lang="ja-JP" altLang="en-US" dirty="0"/>
@@ -2574,18 +2541,18 @@
           <a:lstStyle/>
           <a:p>
             <a:r>
-              <a:rPr lang="ja-JP" altLang="en-US" sz="3200" dirty="0" smtClean="0"/>
+              <a:rPr lang="ja-JP" altLang="en-US" sz="3200" dirty="0"/>
               <a:t>このスライドに書かれている内容は</a:t>
             </a:r>
-            <a:endParaRPr lang="en-US" altLang="ja-JP" sz="3200" dirty="0" smtClean="0"/>
-          </a:p>
-          <a:p>
-            <a:r>
-              <a:rPr lang="ja-JP" altLang="en-US" sz="3200" dirty="0" smtClean="0"/>
+            <a:endParaRPr lang="en-US" altLang="ja-JP" sz="3200" dirty="0"/>
+          </a:p>
+          <a:p>
+            <a:r>
+              <a:rPr lang="ja-JP" altLang="en-US" sz="3200" dirty="0"/>
               <a:t>当研究室の</a:t>
             </a:r>
             <a:r>
-              <a:rPr lang="ja-JP" altLang="en-US" sz="3200" dirty="0" smtClean="0">
+              <a:rPr lang="ja-JP" altLang="en-US" sz="3200" dirty="0">
                 <a:solidFill>
                   <a:srgbClr val="011893"/>
                 </a:solidFill>
@@ -2593,18 +2560,18 @@
               <a:t>ローカルルール</a:t>
             </a:r>
             <a:r>
-              <a:rPr lang="ja-JP" altLang="en-US" sz="3200" dirty="0" smtClean="0"/>
+              <a:rPr lang="ja-JP" altLang="en-US" sz="3200" dirty="0"/>
               <a:t>です</a:t>
             </a:r>
-            <a:endParaRPr lang="en-US" altLang="ja-JP" sz="3200" dirty="0" smtClean="0"/>
-          </a:p>
-          <a:p>
-            <a:r>
-              <a:rPr lang="ja-JP" altLang="en-US" sz="3200" dirty="0" smtClean="0"/>
+            <a:endParaRPr lang="en-US" altLang="ja-JP" sz="3200" dirty="0"/>
+          </a:p>
+          <a:p>
+            <a:r>
+              <a:rPr lang="ja-JP" altLang="en-US" sz="3200" dirty="0"/>
               <a:t>別</a:t>
             </a:r>
             <a:r>
-              <a:rPr kumimoji="1" lang="ja-JP" altLang="en-US" sz="3200" dirty="0" smtClean="0"/>
+              <a:rPr kumimoji="1" lang="ja-JP" altLang="en-US" sz="3200" dirty="0"/>
               <a:t>の研究室</a:t>
             </a:r>
             <a:r>
@@ -2612,16 +2579,12 @@
               <a:t>に</a:t>
             </a:r>
             <a:r>
-              <a:rPr kumimoji="1" lang="ja-JP" altLang="en-US" sz="3200" dirty="0" smtClean="0"/>
+              <a:rPr kumimoji="1" lang="ja-JP" altLang="en-US" sz="3200" dirty="0"/>
               <a:t>は別のポリシーがあ</a:t>
             </a:r>
             <a:r>
-              <a:rPr lang="ja-JP" altLang="en-US" sz="3200" dirty="0" smtClean="0"/>
-              <a:t>りま</a:t>
-            </a:r>
-            <a:r>
               <a:rPr lang="ja-JP" altLang="en-US" sz="3200" dirty="0"/>
-              <a:t>す</a:t>
+              <a:t>ります</a:t>
             </a:r>
             <a:endParaRPr kumimoji="1" lang="ja-JP" altLang="en-US" sz="3200" dirty="0"/>
           </a:p>
@@ -2673,10 +2636,9 @@
           <a:lstStyle/>
           <a:p>
             <a:r>
-              <a:rPr kumimoji="1" lang="ja-JP" altLang="en-US" dirty="0" smtClean="0"/>
+              <a:rPr kumimoji="1" lang="ja-JP" altLang="en-US" dirty="0"/>
               <a:t>論文紹介とは</a:t>
             </a:r>
-            <a:endParaRPr kumimoji="1" lang="ja-JP" altLang="en-US" dirty="0"/>
           </a:p>
         </p:txBody>
       </p:sp>
@@ -2707,11 +2669,11 @@
               <a:buChar char="•"/>
             </a:pPr>
             <a:r>
-              <a:rPr lang="ja-JP" altLang="en-US" sz="2800" dirty="0" smtClean="0"/>
+              <a:rPr lang="ja-JP" altLang="en-US" sz="2800" dirty="0"/>
               <a:t>最近読んだ論文で、</a:t>
             </a:r>
             <a:r>
-              <a:rPr lang="ja-JP" altLang="en-US" sz="2800" dirty="0" smtClean="0">
+              <a:rPr lang="ja-JP" altLang="en-US" sz="2800" dirty="0">
                 <a:solidFill>
                   <a:srgbClr val="011893"/>
                 </a:solidFill>
@@ -2719,29 +2681,21 @@
               <a:t>面白いと思ったもの</a:t>
             </a:r>
             <a:r>
-              <a:rPr lang="ja-JP" altLang="en-US" sz="2800" dirty="0" smtClean="0"/>
+              <a:rPr lang="ja-JP" altLang="en-US" sz="2800" dirty="0"/>
               <a:t>を</a:t>
             </a:r>
-            <a:r>
-              <a:rPr lang="en-US" altLang="ja-JP" sz="2800" dirty="0" smtClean="0">
-                <a:solidFill>
-                  <a:srgbClr val="011893"/>
-                </a:solidFill>
-              </a:rPr>
-              <a:t/>
-            </a:r>
             <a:br>
-              <a:rPr lang="en-US" altLang="ja-JP" sz="2800" dirty="0" smtClean="0">
+              <a:rPr lang="en-US" altLang="ja-JP" sz="2800" dirty="0">
                 <a:solidFill>
                   <a:srgbClr val="011893"/>
                 </a:solidFill>
               </a:rPr>
             </a:br>
             <a:r>
-              <a:rPr lang="ja-JP" altLang="en-US" sz="2800" dirty="0" smtClean="0"/>
+              <a:rPr lang="ja-JP" altLang="en-US" sz="2800" dirty="0"/>
               <a:t>研究室の他のメンバーに紹介すること</a:t>
             </a:r>
-            <a:endParaRPr lang="en-US" altLang="ja-JP" sz="2800" dirty="0" smtClean="0"/>
+            <a:endParaRPr lang="en-US" altLang="ja-JP" sz="2800" dirty="0"/>
           </a:p>
           <a:p>
             <a:pPr marL="457200" indent="-457200">
@@ -2750,13 +2704,9 @@
             </a:pPr>
             <a:r>
               <a:rPr lang="ja-JP" altLang="en-US" sz="2800" dirty="0"/>
-              <a:t>論文そのものが最近のものである必要は</a:t>
-            </a:r>
-            <a:r>
-              <a:rPr lang="ja-JP" altLang="en-US" sz="2800" dirty="0" smtClean="0"/>
-              <a:t>ない</a:t>
-            </a:r>
-            <a:endParaRPr lang="en-US" altLang="ja-JP" sz="2800" dirty="0" smtClean="0"/>
+              <a:t>論文そのものが最近のものである必要はない</a:t>
+            </a:r>
+            <a:endParaRPr lang="en-US" altLang="ja-JP" sz="2800" dirty="0"/>
           </a:p>
           <a:p>
             <a:pPr marL="457200" indent="-457200">
@@ -2775,18 +2725,10 @@
               <a:buChar char="•"/>
             </a:pPr>
             <a:r>
-              <a:rPr lang="ja-JP" altLang="en-US" sz="2800" dirty="0" smtClean="0"/>
-              <a:t>強く</a:t>
-            </a:r>
-            <a:r>
               <a:rPr lang="ja-JP" altLang="en-US" sz="2800" dirty="0"/>
-              <a:t>関連する</a:t>
-            </a:r>
-            <a:r>
-              <a:rPr lang="ja-JP" altLang="en-US" sz="2800" dirty="0" smtClean="0"/>
-              <a:t>論文なら併せて紹介しても良い</a:t>
-            </a:r>
-            <a:endParaRPr lang="en-US" altLang="ja-JP" sz="2800" dirty="0" smtClean="0"/>
+              <a:t>強く関連する論文なら併せて紹介しても良い</a:t>
+            </a:r>
+            <a:endParaRPr lang="en-US" altLang="ja-JP" sz="2800" dirty="0"/>
           </a:p>
         </p:txBody>
       </p:sp>
@@ -3007,10 +2949,9 @@
           <a:lstStyle/>
           <a:p>
             <a:r>
-              <a:rPr kumimoji="1" lang="ja-JP" altLang="en-US" dirty="0" smtClean="0"/>
+              <a:rPr kumimoji="1" lang="ja-JP" altLang="en-US" dirty="0"/>
               <a:t>論文紹介の準備</a:t>
             </a:r>
-            <a:endParaRPr kumimoji="1" lang="ja-JP" altLang="en-US" dirty="0"/>
           </a:p>
         </p:txBody>
       </p:sp>
@@ -3038,21 +2979,17 @@
           <a:p>
             <a:r>
               <a:rPr lang="ja-JP" altLang="en-US" sz="2800" dirty="0"/>
-              <a:t>論文紹介と</a:t>
-            </a:r>
-            <a:r>
-              <a:rPr lang="ja-JP" altLang="en-US" sz="2800" dirty="0" smtClean="0"/>
-              <a:t>は「論文をちゃんと読んできた証明」をする場ではない</a:t>
-            </a:r>
-            <a:endParaRPr lang="en-US" altLang="ja-JP" sz="2800" dirty="0" smtClean="0"/>
-          </a:p>
-          <a:p>
-            <a:r>
-              <a:rPr lang="ja-JP" altLang="en-US" sz="2800" dirty="0" smtClean="0"/>
+              <a:t>論文紹介とは「論文をちゃんと読んできた証明」をする場ではない</a:t>
+            </a:r>
+            <a:endParaRPr lang="en-US" altLang="ja-JP" sz="2800" dirty="0"/>
+          </a:p>
+          <a:p>
+            <a:r>
+              <a:rPr lang="ja-JP" altLang="en-US" sz="2800" dirty="0"/>
               <a:t>「</a:t>
             </a:r>
             <a:r>
-              <a:rPr lang="ja-JP" altLang="en-US" sz="2800" dirty="0" smtClean="0">
+              <a:rPr lang="ja-JP" altLang="en-US" sz="2800" dirty="0">
                 <a:solidFill>
                   <a:srgbClr val="FF0000"/>
                 </a:solidFill>
@@ -3060,11 +2997,11 @@
               <a:t>何を話すか</a:t>
             </a:r>
             <a:r>
-              <a:rPr lang="ja-JP" altLang="en-US" sz="2800" dirty="0" smtClean="0"/>
+              <a:rPr lang="ja-JP" altLang="en-US" sz="2800" dirty="0"/>
               <a:t>」より「</a:t>
             </a:r>
             <a:r>
-              <a:rPr lang="ja-JP" altLang="en-US" sz="2800" dirty="0" smtClean="0">
+              <a:rPr lang="ja-JP" altLang="en-US" sz="2800" dirty="0">
                 <a:solidFill>
                   <a:srgbClr val="FF0000"/>
                 </a:solidFill>
@@ -3072,10 +3009,10 @@
               <a:t>何を話さないか</a:t>
             </a:r>
             <a:r>
-              <a:rPr lang="ja-JP" altLang="en-US" sz="2800" dirty="0" smtClean="0"/>
+              <a:rPr lang="ja-JP" altLang="en-US" sz="2800" dirty="0"/>
               <a:t>」が大事</a:t>
             </a:r>
-            <a:endParaRPr lang="en-US" altLang="ja-JP" sz="2800" dirty="0" smtClean="0"/>
+            <a:endParaRPr lang="en-US" altLang="ja-JP" sz="2800" dirty="0"/>
           </a:p>
         </p:txBody>
       </p:sp>
@@ -3149,11 +3086,11 @@
           </a:p>
           <a:p>
             <a:r>
-              <a:rPr lang="ja-JP" altLang="en-US" sz="2800" dirty="0" smtClean="0"/>
+              <a:rPr lang="ja-JP" altLang="en-US" sz="2800" dirty="0"/>
               <a:t>話すポイントを</a:t>
             </a:r>
             <a:r>
-              <a:rPr lang="ja-JP" altLang="en-US" sz="2800" dirty="0" smtClean="0">
+              <a:rPr lang="ja-JP" altLang="en-US" sz="2800" dirty="0">
                 <a:solidFill>
                   <a:srgbClr val="011893"/>
                 </a:solidFill>
@@ -3161,11 +3098,11 @@
               <a:t>一つ</a:t>
             </a:r>
             <a:r>
-              <a:rPr lang="ja-JP" altLang="en-US" sz="2800" dirty="0" smtClean="0"/>
+              <a:rPr lang="ja-JP" altLang="en-US" sz="2800" dirty="0"/>
               <a:t>か</a:t>
             </a:r>
             <a:r>
-              <a:rPr lang="ja-JP" altLang="en-US" sz="2800" dirty="0" smtClean="0">
+              <a:rPr lang="ja-JP" altLang="en-US" sz="2800" dirty="0">
                 <a:solidFill>
                   <a:srgbClr val="011893"/>
                 </a:solidFill>
@@ -3173,10 +3110,10 @@
               <a:t>二つ</a:t>
             </a:r>
             <a:r>
-              <a:rPr lang="ja-JP" altLang="en-US" sz="2800" dirty="0" smtClean="0"/>
+              <a:rPr lang="ja-JP" altLang="en-US" sz="2800" dirty="0"/>
               <a:t>に絞って話すこと</a:t>
             </a:r>
-            <a:endParaRPr lang="en-US" altLang="ja-JP" sz="2800" dirty="0" smtClean="0"/>
+            <a:endParaRPr lang="en-US" altLang="ja-JP" sz="2800" dirty="0"/>
           </a:p>
         </p:txBody>
       </p:sp>
@@ -3226,10 +3163,9 @@
           <a:lstStyle/>
           <a:p>
             <a:r>
-              <a:rPr kumimoji="1" lang="ja-JP" altLang="en-US" dirty="0" smtClean="0"/>
+              <a:rPr kumimoji="1" lang="ja-JP" altLang="en-US" dirty="0"/>
               <a:t>質問に答えられなくても気にしない</a:t>
             </a:r>
-            <a:endParaRPr kumimoji="1" lang="ja-JP" altLang="en-US" dirty="0"/>
           </a:p>
         </p:txBody>
       </p:sp>
@@ -3301,12 +3237,8 @@
               <a:buChar char="•"/>
             </a:pPr>
             <a:r>
-              <a:rPr lang="ja-JP" altLang="en-US" sz="2800" dirty="0" smtClean="0"/>
-              <a:t>ただし、どんな質問が来たかは覚えて</a:t>
-            </a:r>
-            <a:r>
               <a:rPr lang="ja-JP" altLang="en-US" sz="2800" dirty="0"/>
-              <a:t>おく</a:t>
+              <a:t>ただし、どんな質問が来たかは覚えておく</a:t>
             </a:r>
           </a:p>
           <a:p>
@@ -3315,22 +3247,10 @@
               <a:buChar char="•"/>
             </a:pPr>
             <a:r>
-              <a:rPr lang="ja-JP" altLang="en-US" sz="2800" dirty="0" smtClean="0"/>
-              <a:t>次</a:t>
-            </a:r>
-            <a:r>
               <a:rPr lang="ja-JP" altLang="en-US" sz="2800" dirty="0"/>
-              <a:t>からは「どんな質問が来るか」を想定</a:t>
-            </a:r>
-            <a:r>
-              <a:rPr lang="ja-JP" altLang="en-US" sz="2800" dirty="0" smtClean="0"/>
-              <a:t>しながら論文</a:t>
-            </a:r>
-            <a:r>
-              <a:rPr lang="ja-JP" altLang="en-US" sz="2800" dirty="0"/>
-              <a:t>を読む</a:t>
-            </a:r>
-            <a:endParaRPr lang="en-US" altLang="ja-JP" sz="2800" dirty="0" smtClean="0"/>
+              <a:t>次からは「どんな質問が来るか」を想定しながら論文を読む</a:t>
+            </a:r>
+            <a:endParaRPr lang="en-US" altLang="ja-JP" sz="2800" dirty="0"/>
           </a:p>
         </p:txBody>
       </p:sp>
@@ -3380,11 +3300,11 @@
           <a:lstStyle/>
           <a:p>
             <a:r>
-              <a:rPr kumimoji="1" lang="ja-JP" altLang="en-US" dirty="0" smtClean="0"/>
+              <a:rPr kumimoji="1" lang="ja-JP" altLang="en-US" dirty="0"/>
               <a:t>スライド</a:t>
             </a:r>
             <a:r>
-              <a:rPr lang="ja-JP" altLang="en-US" dirty="0" smtClean="0"/>
+              <a:rPr lang="ja-JP" altLang="en-US" dirty="0"/>
               <a:t>の構成</a:t>
             </a:r>
             <a:endParaRPr kumimoji="1" lang="ja-JP" altLang="en-US" dirty="0"/>
@@ -3414,10 +3334,10 @@
           <a:lstStyle/>
           <a:p>
             <a:r>
-              <a:rPr kumimoji="1" lang="ja-JP" altLang="en-US" sz="2800" dirty="0" smtClean="0"/>
+              <a:rPr kumimoji="1" lang="ja-JP" altLang="en-US" sz="2800" dirty="0"/>
               <a:t>１０枚あれば十分。２０枚は超えないこと。</a:t>
             </a:r>
-            <a:endParaRPr kumimoji="1" lang="en-US" altLang="ja-JP" sz="2800" dirty="0" smtClean="0"/>
+            <a:endParaRPr kumimoji="1" lang="en-US" altLang="ja-JP" sz="2800" dirty="0"/>
           </a:p>
         </p:txBody>
       </p:sp>
@@ -3447,7 +3367,7 @@
               <a:buAutoNum type="arabicPeriod"/>
             </a:pPr>
             <a:r>
-              <a:rPr lang="ja-JP" altLang="en-US" sz="2800" dirty="0" smtClean="0"/>
+              <a:rPr lang="ja-JP" altLang="en-US" sz="2800" dirty="0"/>
               <a:t>タイトル</a:t>
             </a:r>
             <a:endParaRPr lang="en-US" altLang="ja-JP" sz="2800" dirty="0"/>
@@ -3458,12 +3378,8 @@
               <a:buAutoNum type="arabicPeriod"/>
             </a:pPr>
             <a:r>
-              <a:rPr lang="ja-JP" altLang="en-US" sz="2800" dirty="0" smtClean="0"/>
-              <a:t>研究</a:t>
-            </a:r>
-            <a:r>
               <a:rPr lang="ja-JP" altLang="en-US" sz="2800" dirty="0"/>
-              <a:t>全体の背景</a:t>
+              <a:t>研究全体の背景</a:t>
             </a:r>
           </a:p>
           <a:p>
@@ -3472,12 +3388,8 @@
               <a:buAutoNum type="arabicPeriod"/>
             </a:pPr>
             <a:r>
-              <a:rPr lang="ja-JP" altLang="en-US" sz="2800" dirty="0" smtClean="0"/>
-              <a:t>問題</a:t>
-            </a:r>
-            <a:r>
               <a:rPr lang="ja-JP" altLang="en-US" sz="2800" dirty="0"/>
-              <a:t>意識</a:t>
+              <a:t>問題意識</a:t>
             </a:r>
           </a:p>
           <a:p>
@@ -3486,12 +3398,8 @@
               <a:buAutoNum type="arabicPeriod"/>
             </a:pPr>
             <a:r>
-              <a:rPr lang="ja-JP" altLang="en-US" sz="2800" dirty="0" smtClean="0"/>
-              <a:t>論文</a:t>
-            </a:r>
-            <a:r>
               <a:rPr lang="ja-JP" altLang="en-US" sz="2800" dirty="0"/>
-              <a:t>の目的</a:t>
+              <a:t>論文の目的</a:t>
             </a:r>
           </a:p>
           <a:p>
@@ -3500,12 +3408,8 @@
               <a:buAutoNum type="arabicPeriod"/>
             </a:pPr>
             <a:r>
-              <a:rPr lang="ja-JP" altLang="en-US" sz="2800" dirty="0" smtClean="0"/>
-              <a:t>手法</a:t>
-            </a:r>
-            <a:r>
               <a:rPr lang="ja-JP" altLang="en-US" sz="2800" dirty="0"/>
-              <a:t>の説明 (2～3枚程度)</a:t>
+              <a:t>手法の説明 (2～3枚程度)</a:t>
             </a:r>
           </a:p>
           <a:p>
@@ -3514,12 +3418,8 @@
               <a:buAutoNum type="arabicPeriod"/>
             </a:pPr>
             <a:r>
-              <a:rPr lang="ja-JP" altLang="en-US" sz="2800" dirty="0" smtClean="0"/>
-              <a:t>結果 </a:t>
-            </a:r>
-            <a:r>
               <a:rPr lang="ja-JP" altLang="en-US" sz="2800" dirty="0"/>
-              <a:t>(2枚程度)</a:t>
+              <a:t>結果 (2枚程度)</a:t>
             </a:r>
           </a:p>
           <a:p>
@@ -3528,12 +3428,8 @@
               <a:buAutoNum type="arabicPeriod"/>
             </a:pPr>
             <a:r>
-              <a:rPr lang="ja-JP" altLang="en-US" sz="2800" dirty="0" smtClean="0"/>
-              <a:t>まとめ</a:t>
-            </a:r>
-            <a:r>
               <a:rPr lang="ja-JP" altLang="en-US" sz="2800" dirty="0"/>
-              <a:t>と考察</a:t>
+              <a:t>まとめと考察</a:t>
             </a:r>
           </a:p>
         </p:txBody>
@@ -3561,10 +3457,9 @@
           <a:lstStyle/>
           <a:p>
             <a:r>
-              <a:rPr kumimoji="1" lang="ja-JP" altLang="en-US" sz="3200" dirty="0" smtClean="0"/>
+              <a:rPr kumimoji="1" lang="ja-JP" altLang="en-US" sz="3200" dirty="0"/>
               <a:t>構成例</a:t>
             </a:r>
-            <a:endParaRPr kumimoji="1" lang="ja-JP" altLang="en-US" sz="3200" dirty="0"/>
           </a:p>
         </p:txBody>
       </p:sp>
@@ -3644,26 +3539,26 @@
           <a:lstStyle/>
           <a:p>
             <a:r>
-              <a:rPr lang="ja-JP" altLang="en-US" sz="2800" smtClean="0"/>
+              <a:rPr lang="ja-JP" altLang="en-US" sz="2800"/>
               <a:t>論文タイトル、リファレンス</a:t>
             </a:r>
             <a:r>
-              <a:rPr lang="ja-JP" altLang="en-US" sz="2800" dirty="0" smtClean="0"/>
+              <a:rPr lang="ja-JP" altLang="en-US" sz="2800" dirty="0"/>
               <a:t>、</a:t>
             </a:r>
             <a:r>
-              <a:rPr lang="ja-JP" altLang="en-US" sz="2800" smtClean="0"/>
+              <a:rPr lang="ja-JP" altLang="en-US" sz="2800"/>
               <a:t>著者名を</a:t>
             </a:r>
             <a:r>
-              <a:rPr lang="ja-JP" altLang="en-US" sz="2800" smtClean="0">
+              <a:rPr lang="ja-JP" altLang="en-US" sz="2800">
                 <a:solidFill>
                   <a:srgbClr val="FF0000"/>
                 </a:solidFill>
               </a:rPr>
               <a:t>必ず書く</a:t>
             </a:r>
-            <a:endParaRPr lang="en-US" altLang="ja-JP" sz="2800" dirty="0" smtClean="0">
+            <a:endParaRPr lang="en-US" altLang="ja-JP" sz="2800" dirty="0">
               <a:solidFill>
                 <a:srgbClr val="FF0000"/>
               </a:solidFill>
@@ -3694,30 +3589,18 @@
           <a:p>
             <a:r>
               <a:rPr lang="ja-JP" altLang="en-US" sz="2800" dirty="0"/>
-              <a:t>Review: </a:t>
-            </a:r>
-            <a:r>
-              <a:rPr lang="ja-JP" altLang="en-US" sz="2800" dirty="0" smtClean="0"/>
-              <a:t> </a:t>
-            </a:r>
-            <a:r>
-              <a:rPr lang="en-US" altLang="ja-JP" sz="2800" dirty="0" smtClean="0"/>
+              <a:t>Review:  </a:t>
+            </a:r>
+            <a:r>
+              <a:rPr lang="en-US" altLang="ja-JP" sz="2800" dirty="0"/>
               <a:t>“</a:t>
             </a:r>
             <a:r>
-              <a:rPr lang="ja-JP" altLang="en-US" sz="2800" dirty="0" smtClean="0"/>
-              <a:t>Ostwald </a:t>
-            </a:r>
-            <a:r>
               <a:rPr lang="ja-JP" altLang="en-US" sz="2800" dirty="0"/>
-              <a:t>ripening in multiple-bubble </a:t>
-            </a:r>
-            <a:r>
-              <a:rPr lang="ja-JP" altLang="en-US" sz="2800" dirty="0" smtClean="0"/>
-              <a:t>nuclei</a:t>
-            </a:r>
-            <a:r>
-              <a:rPr lang="en-US" altLang="ja-JP" sz="2800" dirty="0" smtClean="0"/>
+              <a:t>Ostwald ripening in multiple-bubble nuclei</a:t>
+            </a:r>
+            <a:r>
+              <a:rPr lang="en-US" altLang="ja-JP" sz="2800" dirty="0"/>
               <a:t>”</a:t>
             </a:r>
             <a:endParaRPr lang="ja-JP" altLang="en-US" sz="2800" dirty="0"/>
@@ -3841,7 +3724,7 @@
           <a:lstStyle/>
           <a:p>
             <a:r>
-              <a:rPr lang="ja-JP" altLang="en-US" sz="2400" smtClean="0"/>
+              <a:rPr lang="ja-JP" altLang="en-US" sz="2400"/>
               <a:t>引用の無い記述は「自分の研究・意見・結果」とみなされる</a:t>
             </a:r>
             <a:endParaRPr kumimoji="1" lang="ja-JP" altLang="en-US" sz="2400"/>
@@ -3894,7 +3777,7 @@
           <a:lstStyle/>
           <a:p>
             <a:r>
-              <a:rPr lang="ja-JP" altLang="en-US" dirty="0" smtClean="0"/>
+              <a:rPr lang="ja-JP" altLang="en-US" dirty="0"/>
               <a:t>論文リファレンスについて</a:t>
             </a:r>
             <a:endParaRPr kumimoji="1" lang="ja-JP" altLang="en-US" dirty="0"/>
@@ -3924,7 +3807,7 @@
           <a:lstStyle/>
           <a:p>
             <a:r>
-              <a:rPr kumimoji="1" lang="ja-JP" altLang="en-US" sz="2400" dirty="0" smtClean="0"/>
+              <a:rPr kumimoji="1" lang="ja-JP" altLang="en-US" sz="2400" dirty="0"/>
               <a:t>出版された査読論文は以下</a:t>
             </a:r>
             <a:r>
@@ -3932,10 +3815,10 @@
               <a:t>の</a:t>
             </a:r>
             <a:r>
-              <a:rPr kumimoji="1" lang="ja-JP" altLang="en-US" sz="2400" dirty="0" smtClean="0"/>
+              <a:rPr kumimoji="1" lang="ja-JP" altLang="en-US" sz="2400" dirty="0"/>
               <a:t>情報で指定できる</a:t>
             </a:r>
-            <a:endParaRPr kumimoji="1" lang="en-US" altLang="ja-JP" sz="2400" dirty="0" smtClean="0"/>
+            <a:endParaRPr kumimoji="1" lang="en-US" altLang="ja-JP" sz="2400" dirty="0"/>
           </a:p>
         </p:txBody>
       </p:sp>
@@ -4036,38 +3919,34 @@
           <a:lstStyle/>
           <a:p>
             <a:r>
-              <a:rPr lang="ja-JP" altLang="en-US" sz="2400" dirty="0" smtClean="0"/>
+              <a:rPr lang="ja-JP" altLang="en-US" sz="2400" dirty="0"/>
               <a:t>ジャーナル名：</a:t>
             </a:r>
             <a:r>
-              <a:rPr lang="en-US" altLang="ja-JP" sz="2400" dirty="0" smtClean="0"/>
+              <a:rPr lang="en-US" altLang="ja-JP" sz="2400" dirty="0"/>
               <a:t>Journal of Chemical Physics</a:t>
             </a:r>
             <a:r>
-              <a:rPr lang="ja-JP" altLang="en-US" sz="2400" dirty="0" smtClean="0"/>
+              <a:rPr lang="ja-JP" altLang="en-US" sz="2400" dirty="0"/>
               <a:t>の略</a:t>
             </a:r>
-            <a:endParaRPr lang="en-US" altLang="ja-JP" sz="2400" dirty="0" smtClean="0"/>
+            <a:endParaRPr lang="en-US" altLang="ja-JP" sz="2400" dirty="0"/>
           </a:p>
           <a:p>
             <a:r>
               <a:rPr lang="ja-JP" altLang="en-US" sz="2400" dirty="0"/>
-              <a:t>　</a:t>
-            </a:r>
-            <a:r>
-              <a:rPr lang="ja-JP" altLang="en-US" sz="2400" dirty="0" smtClean="0"/>
-              <a:t>　　　　　　</a:t>
-            </a:r>
-            <a:r>
-              <a:rPr lang="en-US" altLang="ja-JP" sz="2400" dirty="0" smtClean="0"/>
+              <a:t>　　　　　　　</a:t>
+            </a:r>
+            <a:r>
+              <a:rPr lang="en-US" altLang="ja-JP" sz="2400" dirty="0"/>
               <a:t>(</a:t>
             </a:r>
             <a:r>
-              <a:rPr lang="ja-JP" altLang="en-US" sz="2400" dirty="0" smtClean="0"/>
+              <a:rPr lang="ja-JP" altLang="en-US" sz="2400" dirty="0"/>
               <a:t>省略の仕方は決まっているので調べること</a:t>
             </a:r>
             <a:r>
-              <a:rPr lang="en-US" altLang="ja-JP" sz="2400" dirty="0" smtClean="0"/>
+              <a:rPr lang="en-US" altLang="ja-JP" sz="2400" dirty="0"/>
               <a:t>)</a:t>
             </a:r>
           </a:p>
@@ -4086,33 +3965,32 @@
             </a:r>
           </a:p>
           <a:p>
-            <a:endParaRPr kumimoji="1" lang="en-US" altLang="ja-JP" sz="2400" dirty="0" smtClean="0"/>
-          </a:p>
-          <a:p>
-            <a:r>
-              <a:rPr kumimoji="1" lang="ja-JP" altLang="en-US" sz="2400" dirty="0" smtClean="0"/>
+            <a:endParaRPr kumimoji="1" lang="en-US" altLang="ja-JP" sz="2400" dirty="0"/>
+          </a:p>
+          <a:p>
+            <a:r>
+              <a:rPr kumimoji="1" lang="ja-JP" altLang="en-US" sz="2400" dirty="0"/>
               <a:t>最初のページ番号：</a:t>
             </a:r>
             <a:r>
-              <a:rPr kumimoji="1" lang="en-US" altLang="ja-JP" sz="2400" dirty="0" smtClean="0"/>
+              <a:rPr kumimoji="1" lang="en-US" altLang="ja-JP" sz="2400" dirty="0"/>
               <a:t>p. </a:t>
             </a:r>
             <a:r>
-              <a:rPr lang="en-US" altLang="ja-JP" sz="2400" dirty="0" smtClean="0"/>
+              <a:rPr lang="en-US" altLang="ja-JP" sz="2400" dirty="0"/>
               <a:t>234703</a:t>
             </a:r>
             <a:r>
-              <a:rPr lang="ja-JP" altLang="en-US" sz="2400" dirty="0" smtClean="0"/>
+              <a:rPr lang="ja-JP" altLang="en-US" sz="2400" dirty="0"/>
               <a:t>と表記することも</a:t>
             </a:r>
-            <a:endParaRPr kumimoji="1" lang="en-US" altLang="ja-JP" sz="2400" dirty="0" smtClean="0"/>
-          </a:p>
-          <a:p>
-            <a:r>
-              <a:rPr kumimoji="1" lang="ja-JP" altLang="en-US" sz="2400" dirty="0" smtClean="0"/>
+            <a:endParaRPr kumimoji="1" lang="en-US" altLang="ja-JP" sz="2400" dirty="0"/>
+          </a:p>
+          <a:p>
+            <a:r>
+              <a:rPr kumimoji="1" lang="ja-JP" altLang="en-US" sz="2400" dirty="0"/>
               <a:t>　　　　　　　　　論文番号になっている場合もある</a:t>
             </a:r>
-            <a:endParaRPr kumimoji="1" lang="ja-JP" altLang="en-US" sz="2400" dirty="0"/>
           </a:p>
         </p:txBody>
       </p:sp>
@@ -4250,14 +4128,13 @@
           <a:lstStyle/>
           <a:p>
             <a:r>
-              <a:rPr kumimoji="1" lang="en-US" altLang="ja-JP" dirty="0" smtClean="0"/>
+              <a:rPr kumimoji="1" lang="en-US" altLang="ja-JP" dirty="0"/>
               <a:t>※</a:t>
             </a:r>
             <a:r>
-              <a:rPr kumimoji="1" lang="ja-JP" altLang="en-US" dirty="0" smtClean="0"/>
+              <a:rPr kumimoji="1" lang="ja-JP" altLang="en-US" dirty="0"/>
               <a:t>会議録などを除く</a:t>
             </a:r>
-            <a:endParaRPr kumimoji="1" lang="ja-JP" altLang="en-US" dirty="0"/>
           </a:p>
         </p:txBody>
       </p:sp>
@@ -4492,10 +4369,9 @@
           <a:lstStyle/>
           <a:p>
             <a:r>
-              <a:rPr kumimoji="1" lang="ja-JP" altLang="en-US" dirty="0" smtClean="0"/>
+              <a:rPr kumimoji="1" lang="ja-JP" altLang="en-US" dirty="0"/>
               <a:t>スライドの作り方</a:t>
             </a:r>
-            <a:endParaRPr kumimoji="1" lang="ja-JP" altLang="en-US" dirty="0"/>
           </a:p>
         </p:txBody>
       </p:sp>
@@ -4522,10 +4398,9 @@
           <a:lstStyle/>
           <a:p>
             <a:r>
-              <a:rPr kumimoji="1" lang="ja-JP" altLang="en-US" sz="3200" dirty="0" smtClean="0"/>
+              <a:rPr kumimoji="1" lang="ja-JP" altLang="en-US" sz="3200" dirty="0"/>
               <a:t>原則として「スライド一枚にメッセージ一つ」</a:t>
             </a:r>
-            <a:endParaRPr kumimoji="1" lang="ja-JP" altLang="en-US" sz="3200" dirty="0"/>
           </a:p>
         </p:txBody>
       </p:sp>
@@ -4593,23 +4468,23 @@
           <a:lstStyle/>
           <a:p>
             <a:r>
-              <a:rPr lang="ja-JP" altLang="en-US" sz="3200" dirty="0" smtClean="0"/>
+              <a:rPr lang="ja-JP" altLang="en-US" sz="3200" dirty="0"/>
               <a:t>スライドに情報</a:t>
             </a:r>
             <a:r>
-              <a:rPr lang="en-US" altLang="ja-JP" sz="3200" dirty="0" smtClean="0"/>
+              <a:rPr lang="en-US" altLang="ja-JP" sz="3200" dirty="0"/>
               <a:t>(</a:t>
             </a:r>
             <a:r>
-              <a:rPr lang="ja-JP" altLang="en-US" sz="3200" dirty="0" smtClean="0"/>
+              <a:rPr lang="ja-JP" altLang="en-US" sz="3200" dirty="0"/>
               <a:t>特に文章</a:t>
             </a:r>
             <a:r>
-              <a:rPr lang="en-US" altLang="ja-JP" sz="3200" dirty="0" smtClean="0"/>
+              <a:rPr lang="en-US" altLang="ja-JP" sz="3200" dirty="0"/>
               <a:t>)</a:t>
             </a:r>
             <a:r>
-              <a:rPr lang="ja-JP" altLang="en-US" sz="3200" dirty="0" smtClean="0"/>
+              <a:rPr lang="ja-JP" altLang="en-US" sz="3200" dirty="0"/>
               <a:t>を詰め込みすぎない</a:t>
             </a:r>
             <a:endParaRPr kumimoji="1" lang="ja-JP" altLang="en-US" sz="3200" dirty="0"/>

--- a/howtoreview/howtoreview.pptx
+++ b/howtoreview/howtoreview.pptx
@@ -219,7 +219,7 @@
           </a:lstStyle>
           <a:p>
             <a:fld id="{6B8D1B20-A248-FB47-8240-73C0C5F47C9D}" type="datetimeFigureOut">
-              <a:t>2022/2/10</a:t>
+              <a:t>2023/2/16</a:t>
             </a:fld>
             <a:endParaRPr kumimoji="1" lang="ja-JP" altLang="en-US"/>
           </a:p>
@@ -1200,8 +1200,8 @@
           <a:lstStyle/>
           <a:p>
             <a:r>
-              <a:rPr kumimoji="1" lang="en-US" altLang="ja-JP" sz="4000" dirty="0"/>
-              <a:t>2022/02/10</a:t>
+              <a:rPr kumimoji="1" lang="en-US" altLang="ja-JP" sz="4000"/>
+              <a:t>2023/02/16</a:t>
             </a:r>
             <a:endParaRPr kumimoji="1" lang="ja-JP" altLang="en-US" sz="4000" dirty="0"/>
           </a:p>
@@ -2022,7 +2022,15 @@
           <a:p>
             <a:r>
               <a:rPr lang="ja-JP" altLang="en-US" dirty="0"/>
-              <a:t>H. Watanabe, et al. Phys. Rev. E, 82, 21380 (2010)</a:t>
+              <a:t>H. Watanabe, et al. Phys. Rev. E, </a:t>
+            </a:r>
+            <a:r>
+              <a:rPr lang="ja-JP" altLang="en-US" b="1" dirty="0"/>
+              <a:t>82</a:t>
+            </a:r>
+            <a:r>
+              <a:rPr lang="ja-JP" altLang="en-US" dirty="0"/>
+              <a:t>, 21380 (2010)</a:t>
             </a:r>
           </a:p>
         </p:txBody>

--- a/howtoreview/howtoreview.pptx
+++ b/howtoreview/howtoreview.pptx
@@ -219,7 +219,7 @@
           </a:lstStyle>
           <a:p>
             <a:fld id="{6B8D1B20-A248-FB47-8240-73C0C5F47C9D}" type="datetimeFigureOut">
-              <a:t>2023/2/16</a:t>
+              <a:t>2024/2/22</a:t>
             </a:fld>
             <a:endParaRPr kumimoji="1" lang="ja-JP" altLang="en-US"/>
           </a:p>
@@ -1200,8 +1200,8 @@
           <a:lstStyle/>
           <a:p>
             <a:r>
-              <a:rPr kumimoji="1" lang="en-US" altLang="ja-JP" sz="4000"/>
-              <a:t>2023/02/16</a:t>
+              <a:rPr kumimoji="1" lang="en-US" altLang="ja-JP" sz="4000" dirty="0"/>
+              <a:t>2023/02/22</a:t>
             </a:r>
             <a:endParaRPr kumimoji="1" lang="ja-JP" altLang="en-US" sz="4000" dirty="0"/>
           </a:p>
@@ -1723,7 +1723,7 @@
           <p:nvPr/>
         </p:nvPicPr>
         <mc:AlternateContent xmlns:mc="http://schemas.openxmlformats.org/markup-compatibility/2006">
-          <mc:Choice xmlns="" xmlns:mv="urn:schemas-microsoft-com:mac:vml" xmlns:ma="http://schemas.microsoft.com/office/mac/drawingml/2008/main" Requires="ma">
+          <mc:Choice xmlns:ma="http://schemas.microsoft.com/office/mac/drawingml/2008/main" xmlns:mv="urn:schemas-microsoft-com:mac:vml" xmlns="" Requires="ma">
             <p:blipFill>
               <a:blip r:embed="rId7"/>
               <a:stretch>
@@ -1767,7 +1767,7 @@
           <p:nvPr/>
         </p:nvPicPr>
         <mc:AlternateContent xmlns:mc="http://schemas.openxmlformats.org/markup-compatibility/2006">
-          <mc:Choice xmlns="" xmlns:mv="urn:schemas-microsoft-com:mac:vml" xmlns:ma="http://schemas.microsoft.com/office/mac/drawingml/2008/main" Requires="ma">
+          <mc:Choice xmlns:ma="http://schemas.microsoft.com/office/mac/drawingml/2008/main" xmlns:mv="urn:schemas-microsoft-com:mac:vml" xmlns="" Requires="ma">
             <p:blipFill>
               <a:blip r:embed="rId9"/>
               <a:stretch>

--- a/howtoreview/howtoreview.pptx
+++ b/howtoreview/howtoreview.pptx
@@ -5,7 +5,7 @@
     <p:sldMasterId id="2147483663" r:id="rId1"/>
   </p:sldMasterIdLst>
   <p:notesMasterIdLst>
-    <p:notesMasterId r:id="rId15"/>
+    <p:notesMasterId r:id="rId16"/>
   </p:notesMasterIdLst>
   <p:sldIdLst>
     <p:sldId id="256" r:id="rId2"/>
@@ -20,7 +20,8 @@
     <p:sldId id="282" r:id="rId11"/>
     <p:sldId id="283" r:id="rId12"/>
     <p:sldId id="284" r:id="rId13"/>
-    <p:sldId id="285" r:id="rId14"/>
+    <p:sldId id="286" r:id="rId14"/>
+    <p:sldId id="285" r:id="rId15"/>
   </p:sldIdLst>
   <p:sldSz cx="9144000" cy="6858000" type="screen4x3"/>
   <p:notesSz cx="6858000" cy="9144000"/>
@@ -219,7 +220,7 @@
           </a:lstStyle>
           <a:p>
             <a:fld id="{6B8D1B20-A248-FB47-8240-73C0C5F47C9D}" type="datetimeFigureOut">
-              <a:t>2024/2/22</a:t>
+              <a:t>2025/2/18</a:t>
             </a:fld>
             <a:endParaRPr kumimoji="1" lang="ja-JP" altLang="en-US"/>
           </a:p>
@@ -1201,7 +1202,7 @@
           <a:p>
             <a:r>
               <a:rPr kumimoji="1" lang="en-US" altLang="ja-JP" sz="4000" dirty="0"/>
-              <a:t>2023/02/22</a:t>
+              <a:t>2025/02/20</a:t>
             </a:r>
             <a:endParaRPr kumimoji="1" lang="ja-JP" altLang="en-US" sz="4000" dirty="0"/>
           </a:p>
@@ -1723,7 +1724,7 @@
           <p:nvPr/>
         </p:nvPicPr>
         <mc:AlternateContent xmlns:mc="http://schemas.openxmlformats.org/markup-compatibility/2006">
-          <mc:Choice xmlns:ma="http://schemas.microsoft.com/office/mac/drawingml/2008/main" xmlns:mv="urn:schemas-microsoft-com:mac:vml" xmlns="" Requires="ma">
+          <mc:Choice xmlns="" xmlns:mv="urn:schemas-microsoft-com:mac:vml" xmlns:ma="http://schemas.microsoft.com/office/mac/drawingml/2008/main" Requires="ma">
             <p:blipFill>
               <a:blip r:embed="rId7"/>
               <a:stretch>
@@ -1767,7 +1768,7 @@
           <p:nvPr/>
         </p:nvPicPr>
         <mc:AlternateContent xmlns:mc="http://schemas.openxmlformats.org/markup-compatibility/2006">
-          <mc:Choice xmlns:ma="http://schemas.microsoft.com/office/mac/drawingml/2008/main" xmlns:mv="urn:schemas-microsoft-com:mac:vml" xmlns="" Requires="ma">
+          <mc:Choice xmlns="" xmlns:mv="urn:schemas-microsoft-com:mac:vml" xmlns:ma="http://schemas.microsoft.com/office/mac/drawingml/2008/main" Requires="ma">
             <p:blipFill>
               <a:blip r:embed="rId9"/>
               <a:stretch>
@@ -2232,6 +2233,483 @@
 </file>
 
 <file path=ppt/slides/slide13.xml><?xml version="1.0" encoding="utf-8"?>
+<p:sld xmlns:a="http://schemas.openxmlformats.org/drawingml/2006/main" xmlns:r="http://schemas.openxmlformats.org/officeDocument/2006/relationships" xmlns:p="http://schemas.openxmlformats.org/presentationml/2006/main">
+  <p:cSld>
+    <p:spTree>
+      <p:nvGrpSpPr>
+        <p:cNvPr id="1" name=""/>
+        <p:cNvGrpSpPr/>
+        <p:nvPr/>
+      </p:nvGrpSpPr>
+      <p:grpSpPr>
+        <a:xfrm>
+          <a:off x="0" y="0"/>
+          <a:ext cx="0" cy="0"/>
+          <a:chOff x="0" y="0"/>
+          <a:chExt cx="0" cy="0"/>
+        </a:xfrm>
+      </p:grpSpPr>
+      <p:sp>
+        <p:nvSpPr>
+          <p:cNvPr id="2" name="テキスト プレースホルダー 1">
+            <a:extLst>
+              <a:ext uri="{FF2B5EF4-FFF2-40B4-BE49-F238E27FC236}">
+                <a16:creationId xmlns:a16="http://schemas.microsoft.com/office/drawing/2014/main" id="{F7EF3806-5FF2-AD25-2FD7-633A682FB7D9}"/>
+              </a:ext>
+            </a:extLst>
+          </p:cNvPr>
+          <p:cNvSpPr>
+            <a:spLocks noGrp="1"/>
+          </p:cNvSpPr>
+          <p:nvPr>
+            <p:ph type="body" sz="quarter" idx="10"/>
+          </p:nvPr>
+        </p:nvSpPr>
+        <p:spPr/>
+        <p:txBody>
+          <a:bodyPr/>
+          <a:lstStyle/>
+          <a:p>
+            <a:r>
+              <a:rPr kumimoji="1" lang="en-US" altLang="ja-JP" dirty="0"/>
+              <a:t>AI</a:t>
+            </a:r>
+            <a:r>
+              <a:rPr kumimoji="1" lang="ja-JP" altLang="en-US"/>
+              <a:t>との付き合い方</a:t>
+            </a:r>
+          </a:p>
+        </p:txBody>
+      </p:sp>
+      <p:sp>
+        <p:nvSpPr>
+          <p:cNvPr id="3" name="テキスト ボックス 2">
+            <a:extLst>
+              <a:ext uri="{FF2B5EF4-FFF2-40B4-BE49-F238E27FC236}">
+                <a16:creationId xmlns:a16="http://schemas.microsoft.com/office/drawing/2014/main" id="{ED2403B0-4B9D-AA66-AD82-7792E236D5DB}"/>
+              </a:ext>
+            </a:extLst>
+          </p:cNvPr>
+          <p:cNvSpPr txBox="1"/>
+          <p:nvPr/>
+        </p:nvSpPr>
+        <p:spPr>
+          <a:xfrm>
+            <a:off x="107504" y="848066"/>
+            <a:ext cx="2807179" cy="584775"/>
+          </a:xfrm>
+          <a:prstGeom prst="rect">
+            <a:avLst/>
+          </a:prstGeom>
+          <a:noFill/>
+        </p:spPr>
+        <p:txBody>
+          <a:bodyPr wrap="none" rtlCol="0">
+            <a:spAutoFit/>
+          </a:bodyPr>
+          <a:lstStyle/>
+          <a:p>
+            <a:r>
+              <a:rPr kumimoji="1" lang="en-US" altLang="ja-JP" sz="3200" dirty="0"/>
+              <a:t>AI</a:t>
+            </a:r>
+            <a:r>
+              <a:rPr lang="ja-JP" altLang="en-US" sz="3200"/>
+              <a:t>の</a:t>
+            </a:r>
+            <a:r>
+              <a:rPr kumimoji="1" lang="ja-JP" altLang="en-US" sz="3200">
+                <a:solidFill>
+                  <a:srgbClr val="011893"/>
+                </a:solidFill>
+              </a:rPr>
+              <a:t>活用</a:t>
+            </a:r>
+            <a:r>
+              <a:rPr kumimoji="1" lang="ja-JP" altLang="en-US" sz="3200"/>
+              <a:t>は</a:t>
+            </a:r>
+            <a:r>
+              <a:rPr kumimoji="1" lang="en-US" altLang="ja-JP" sz="3200" dirty="0"/>
+              <a:t>OK</a:t>
+            </a:r>
+            <a:endParaRPr kumimoji="1" lang="ja-JP" altLang="en-US" sz="3200"/>
+          </a:p>
+        </p:txBody>
+      </p:sp>
+      <p:sp>
+        <p:nvSpPr>
+          <p:cNvPr id="4" name="テキスト ボックス 3">
+            <a:extLst>
+              <a:ext uri="{FF2B5EF4-FFF2-40B4-BE49-F238E27FC236}">
+                <a16:creationId xmlns:a16="http://schemas.microsoft.com/office/drawing/2014/main" id="{78F92C99-6811-9425-66FC-97833CB714AE}"/>
+              </a:ext>
+            </a:extLst>
+          </p:cNvPr>
+          <p:cNvSpPr txBox="1"/>
+          <p:nvPr/>
+        </p:nvSpPr>
+        <p:spPr>
+          <a:xfrm>
+            <a:off x="520869" y="1361841"/>
+            <a:ext cx="4224233" cy="1569660"/>
+          </a:xfrm>
+          <a:prstGeom prst="rect">
+            <a:avLst/>
+          </a:prstGeom>
+          <a:noFill/>
+        </p:spPr>
+        <p:txBody>
+          <a:bodyPr wrap="none" rtlCol="0">
+            <a:spAutoFit/>
+          </a:bodyPr>
+          <a:lstStyle/>
+          <a:p>
+            <a:pPr marL="342900" indent="-342900">
+              <a:buFont typeface="Arial" panose="020B0604020202020204" pitchFamily="34" charset="0"/>
+              <a:buChar char="•"/>
+            </a:pPr>
+            <a:r>
+              <a:rPr kumimoji="1" lang="ja-JP" altLang="en-US" sz="2400"/>
+              <a:t>英語を和訳させる</a:t>
+            </a:r>
+            <a:endParaRPr kumimoji="1" lang="en-US" altLang="ja-JP" sz="2400" dirty="0"/>
+          </a:p>
+          <a:p>
+            <a:pPr marL="342900" indent="-342900">
+              <a:buFont typeface="Arial" panose="020B0604020202020204" pitchFamily="34" charset="0"/>
+              <a:buChar char="•"/>
+            </a:pPr>
+            <a:r>
+              <a:rPr kumimoji="1" lang="ja-JP" altLang="en-US" sz="2400"/>
+              <a:t>論文の要約を報告させる</a:t>
+            </a:r>
+            <a:endParaRPr kumimoji="1" lang="en-US" altLang="ja-JP" sz="2400" dirty="0"/>
+          </a:p>
+          <a:p>
+            <a:pPr marL="342900" indent="-342900">
+              <a:buFont typeface="Arial" panose="020B0604020202020204" pitchFamily="34" charset="0"/>
+              <a:buChar char="•"/>
+            </a:pPr>
+            <a:r>
+              <a:rPr kumimoji="1" lang="ja-JP" altLang="en-US" sz="2400"/>
+              <a:t>知らない単語を説明させる</a:t>
+            </a:r>
+            <a:endParaRPr kumimoji="1" lang="en-US" altLang="ja-JP" sz="2400" dirty="0"/>
+          </a:p>
+          <a:p>
+            <a:pPr marL="342900" indent="-342900">
+              <a:buFont typeface="Arial" panose="020B0604020202020204" pitchFamily="34" charset="0"/>
+              <a:buChar char="•"/>
+            </a:pPr>
+            <a:r>
+              <a:rPr kumimoji="1" lang="ja-JP" altLang="en-US" sz="2400"/>
+              <a:t>重要な先行研究を探させる</a:t>
+            </a:r>
+          </a:p>
+        </p:txBody>
+      </p:sp>
+      <p:sp>
+        <p:nvSpPr>
+          <p:cNvPr id="5" name="テキスト ボックス 4">
+            <a:extLst>
+              <a:ext uri="{FF2B5EF4-FFF2-40B4-BE49-F238E27FC236}">
+                <a16:creationId xmlns:a16="http://schemas.microsoft.com/office/drawing/2014/main" id="{DDA89996-2AAA-6332-A160-56DD189346F8}"/>
+              </a:ext>
+            </a:extLst>
+          </p:cNvPr>
+          <p:cNvSpPr txBox="1"/>
+          <p:nvPr/>
+        </p:nvSpPr>
+        <p:spPr>
+          <a:xfrm>
+            <a:off x="179512" y="2999182"/>
+            <a:ext cx="4060727" cy="584775"/>
+          </a:xfrm>
+          <a:prstGeom prst="rect">
+            <a:avLst/>
+          </a:prstGeom>
+          <a:noFill/>
+        </p:spPr>
+        <p:txBody>
+          <a:bodyPr wrap="none" rtlCol="0">
+            <a:spAutoFit/>
+          </a:bodyPr>
+          <a:lstStyle/>
+          <a:p>
+            <a:r>
+              <a:rPr kumimoji="1" lang="en-US" altLang="ja-JP" sz="3200" dirty="0"/>
+              <a:t>AI</a:t>
+            </a:r>
+            <a:r>
+              <a:rPr lang="ja-JP" altLang="en-US" sz="3200"/>
+              <a:t>による</a:t>
+            </a:r>
+            <a:r>
+              <a:rPr lang="ja-JP" altLang="en-US" sz="3200">
+                <a:solidFill>
+                  <a:srgbClr val="011893"/>
+                </a:solidFill>
+              </a:rPr>
+              <a:t>手抜き</a:t>
+            </a:r>
+            <a:r>
+              <a:rPr lang="ja-JP" altLang="en-US" sz="3200"/>
+              <a:t>は</a:t>
+            </a:r>
+            <a:r>
+              <a:rPr lang="en-US" altLang="ja-JP" sz="3200" dirty="0"/>
+              <a:t>NG</a:t>
+            </a:r>
+            <a:endParaRPr kumimoji="1" lang="ja-JP" altLang="en-US" sz="3200"/>
+          </a:p>
+        </p:txBody>
+      </p:sp>
+      <p:sp>
+        <p:nvSpPr>
+          <p:cNvPr id="6" name="テキスト ボックス 5">
+            <a:extLst>
+              <a:ext uri="{FF2B5EF4-FFF2-40B4-BE49-F238E27FC236}">
+                <a16:creationId xmlns:a16="http://schemas.microsoft.com/office/drawing/2014/main" id="{EEA9199F-86F2-6CA4-556F-FCFE26B28D9A}"/>
+              </a:ext>
+            </a:extLst>
+          </p:cNvPr>
+          <p:cNvSpPr txBox="1"/>
+          <p:nvPr/>
+        </p:nvSpPr>
+        <p:spPr>
+          <a:xfrm>
+            <a:off x="520869" y="3618687"/>
+            <a:ext cx="7968848" cy="1200329"/>
+          </a:xfrm>
+          <a:prstGeom prst="rect">
+            <a:avLst/>
+          </a:prstGeom>
+          <a:noFill/>
+        </p:spPr>
+        <p:txBody>
+          <a:bodyPr wrap="none" rtlCol="0">
+            <a:spAutoFit/>
+          </a:bodyPr>
+          <a:lstStyle/>
+          <a:p>
+            <a:pPr marL="342900" indent="-342900">
+              <a:buFont typeface="Arial" panose="020B0604020202020204" pitchFamily="34" charset="0"/>
+              <a:buChar char="•"/>
+            </a:pPr>
+            <a:r>
+              <a:rPr kumimoji="1" lang="en-US" altLang="ja-JP" sz="2400" dirty="0"/>
+              <a:t>AI</a:t>
+            </a:r>
+            <a:r>
+              <a:rPr kumimoji="1" lang="ja-JP" altLang="en-US" sz="2400"/>
+              <a:t>に和訳させて自分は英語を全く読まない</a:t>
+            </a:r>
+            <a:endParaRPr kumimoji="1" lang="en-US" altLang="ja-JP" sz="2400" dirty="0"/>
+          </a:p>
+          <a:p>
+            <a:pPr marL="342900" indent="-342900">
+              <a:buFont typeface="Arial" panose="020B0604020202020204" pitchFamily="34" charset="0"/>
+              <a:buChar char="•"/>
+            </a:pPr>
+            <a:r>
+              <a:rPr lang="en-US" altLang="ja-JP" sz="2400" dirty="0"/>
+              <a:t>AI</a:t>
+            </a:r>
+            <a:r>
+              <a:rPr lang="ja-JP" altLang="en-US" sz="2400"/>
+              <a:t>が提案した内容の裏を取らない</a:t>
+            </a:r>
+            <a:endParaRPr kumimoji="1" lang="en-US" altLang="ja-JP" sz="2400" dirty="0"/>
+          </a:p>
+          <a:p>
+            <a:pPr marL="342900" indent="-342900">
+              <a:buFont typeface="Arial" panose="020B0604020202020204" pitchFamily="34" charset="0"/>
+              <a:buChar char="•"/>
+            </a:pPr>
+            <a:r>
+              <a:rPr lang="ja-JP" altLang="en-US" sz="2400">
+                <a:solidFill>
+                  <a:srgbClr val="FF0000"/>
+                </a:solidFill>
+              </a:rPr>
+              <a:t>質問されても「</a:t>
+            </a:r>
+            <a:r>
+              <a:rPr lang="en-US" altLang="ja-JP" sz="2400" dirty="0">
+                <a:solidFill>
+                  <a:srgbClr val="FF0000"/>
+                </a:solidFill>
+              </a:rPr>
+              <a:t>ChatGPT</a:t>
+            </a:r>
+            <a:r>
+              <a:rPr lang="ja-JP" altLang="en-US" sz="2400">
+                <a:solidFill>
+                  <a:srgbClr val="FF0000"/>
+                </a:solidFill>
+              </a:rPr>
+              <a:t>がそう言ったので」と答える</a:t>
+            </a:r>
+            <a:endParaRPr kumimoji="1" lang="ja-JP" altLang="en-US" sz="2400">
+              <a:solidFill>
+                <a:srgbClr val="FF0000"/>
+              </a:solidFill>
+            </a:endParaRPr>
+          </a:p>
+        </p:txBody>
+      </p:sp>
+      <p:sp>
+        <p:nvSpPr>
+          <p:cNvPr id="7" name="テキスト ボックス 6">
+            <a:extLst>
+              <a:ext uri="{FF2B5EF4-FFF2-40B4-BE49-F238E27FC236}">
+                <a16:creationId xmlns:a16="http://schemas.microsoft.com/office/drawing/2014/main" id="{697441C6-EF1D-FC14-98A5-6CC41F850695}"/>
+              </a:ext>
+            </a:extLst>
+          </p:cNvPr>
+          <p:cNvSpPr txBox="1"/>
+          <p:nvPr/>
+        </p:nvSpPr>
+        <p:spPr>
+          <a:xfrm>
+            <a:off x="115149" y="5013176"/>
+            <a:ext cx="8913701" cy="1384995"/>
+          </a:xfrm>
+          <a:prstGeom prst="rect">
+            <a:avLst/>
+          </a:prstGeom>
+          <a:noFill/>
+        </p:spPr>
+        <p:txBody>
+          <a:bodyPr wrap="square" rtlCol="0">
+            <a:spAutoFit/>
+          </a:bodyPr>
+          <a:lstStyle/>
+          <a:p>
+            <a:r>
+              <a:rPr kumimoji="1" lang="ja-JP" altLang="en-US" sz="2800"/>
+              <a:t>大学、大学院における最も重要な知的活動は「文章を読む力」「文章を書く力」を鍛えること</a:t>
+            </a:r>
+            <a:endParaRPr kumimoji="1" lang="en-US" altLang="ja-JP" sz="2800" dirty="0"/>
+          </a:p>
+          <a:p>
+            <a:r>
+              <a:rPr lang="ja-JP" altLang="en-US" sz="2800"/>
+              <a:t>そこを手抜きしてしまうと研究室活動の価値が消える</a:t>
+            </a:r>
+            <a:endParaRPr kumimoji="1" lang="ja-JP" altLang="en-US" sz="2800"/>
+          </a:p>
+        </p:txBody>
+      </p:sp>
+      <p:pic>
+        <p:nvPicPr>
+          <p:cNvPr id="1030" name="Picture 6" descr="コンピューターを使うロボットのイラスト">
+            <a:extLst>
+              <a:ext uri="{FF2B5EF4-FFF2-40B4-BE49-F238E27FC236}">
+                <a16:creationId xmlns:a16="http://schemas.microsoft.com/office/drawing/2014/main" id="{BEC9D9F4-B016-C47D-702C-1C692ABB532E}"/>
+              </a:ext>
+            </a:extLst>
+          </p:cNvPr>
+          <p:cNvPicPr>
+            <a:picLocks noChangeAspect="1" noChangeArrowheads="1"/>
+          </p:cNvPicPr>
+          <p:nvPr/>
+        </p:nvPicPr>
+        <p:blipFill>
+          <a:blip r:embed="rId2">
+            <a:extLst>
+              <a:ext uri="{28A0092B-C50C-407E-A947-70E740481C1C}">
+                <a14:useLocalDpi xmlns:a14="http://schemas.microsoft.com/office/drawing/2010/main" val="0"/>
+              </a:ext>
+            </a:extLst>
+          </a:blip>
+          <a:srcRect/>
+          <a:stretch>
+            <a:fillRect/>
+          </a:stretch>
+        </p:blipFill>
+        <p:spPr bwMode="auto">
+          <a:xfrm flipH="1">
+            <a:off x="6795291" y="1432841"/>
+            <a:ext cx="1475650" cy="1394489"/>
+          </a:xfrm>
+          <a:prstGeom prst="rect">
+            <a:avLst/>
+          </a:prstGeom>
+          <a:noFill/>
+          <a:extLst>
+            <a:ext uri="{909E8E84-426E-40DD-AFC4-6F175D3DCCD1}">
+              <a14:hiddenFill xmlns:a14="http://schemas.microsoft.com/office/drawing/2010/main">
+                <a:solidFill>
+                  <a:srgbClr val="FFFFFF"/>
+                </a:solidFill>
+              </a14:hiddenFill>
+            </a:ext>
+          </a:extLst>
+        </p:spPr>
+      </p:pic>
+      <p:pic>
+        <p:nvPicPr>
+          <p:cNvPr id="1032" name="Picture 8" descr="音楽を聴きながら仕事をする人のイラスト（男性）">
+            <a:extLst>
+              <a:ext uri="{FF2B5EF4-FFF2-40B4-BE49-F238E27FC236}">
+                <a16:creationId xmlns:a16="http://schemas.microsoft.com/office/drawing/2014/main" id="{85B6B1A5-FC35-0AF6-6276-1CFF551749B0}"/>
+              </a:ext>
+            </a:extLst>
+          </p:cNvPr>
+          <p:cNvPicPr>
+            <a:picLocks noChangeAspect="1" noChangeArrowheads="1"/>
+          </p:cNvPicPr>
+          <p:nvPr/>
+        </p:nvPicPr>
+        <p:blipFill>
+          <a:blip r:embed="rId3">
+            <a:extLst>
+              <a:ext uri="{28A0092B-C50C-407E-A947-70E740481C1C}">
+                <a14:useLocalDpi xmlns:a14="http://schemas.microsoft.com/office/drawing/2010/main" val="0"/>
+              </a:ext>
+            </a:extLst>
+          </a:blip>
+          <a:srcRect/>
+          <a:stretch>
+            <a:fillRect/>
+          </a:stretch>
+        </p:blipFill>
+        <p:spPr bwMode="auto">
+          <a:xfrm>
+            <a:off x="4903763" y="1359765"/>
+            <a:ext cx="1603896" cy="1467565"/>
+          </a:xfrm>
+          <a:prstGeom prst="rect">
+            <a:avLst/>
+          </a:prstGeom>
+          <a:noFill/>
+          <a:extLst>
+            <a:ext uri="{909E8E84-426E-40DD-AFC4-6F175D3DCCD1}">
+              <a14:hiddenFill xmlns:a14="http://schemas.microsoft.com/office/drawing/2010/main">
+                <a:solidFill>
+                  <a:srgbClr val="FFFFFF"/>
+                </a:solidFill>
+              </a14:hiddenFill>
+            </a:ext>
+          </a:extLst>
+        </p:spPr>
+      </p:pic>
+    </p:spTree>
+    <p:extLst>
+      <p:ext uri="{BB962C8B-B14F-4D97-AF65-F5344CB8AC3E}">
+        <p14:creationId xmlns:p14="http://schemas.microsoft.com/office/powerpoint/2010/main" val="1227541729"/>
+      </p:ext>
+    </p:extLst>
+  </p:cSld>
+  <p:clrMapOvr>
+    <a:masterClrMapping/>
+  </p:clrMapOvr>
+</p:sld>
+</file>
+
+<file path=ppt/slides/slide14.xml><?xml version="1.0" encoding="utf-8"?>
 <p:sld xmlns:a="http://schemas.openxmlformats.org/drawingml/2006/main" xmlns:r="http://schemas.openxmlformats.org/officeDocument/2006/relationships" xmlns:p="http://schemas.openxmlformats.org/presentationml/2006/main">
   <p:cSld>
     <p:spTree>

--- a/howtoreview/howtoreview.pptx
+++ b/howtoreview/howtoreview.pptx
@@ -220,7 +220,7 @@
           </a:lstStyle>
           <a:p>
             <a:fld id="{6B8D1B20-A248-FB47-8240-73C0C5F47C9D}" type="datetimeFigureOut">
-              <a:t>2025/2/18</a:t>
+              <a:t>2026/1/15</a:t>
             </a:fld>
             <a:endParaRPr kumimoji="1" lang="ja-JP" altLang="en-US"/>
           </a:p>
@@ -1172,42 +1172,6 @@
           </a:p>
         </p:txBody>
       </p:sp>
-      <p:sp>
-        <p:nvSpPr>
-          <p:cNvPr id="7" name="テキスト ボックス 6">
-            <a:extLst>
-              <a:ext uri="{FF2B5EF4-FFF2-40B4-BE49-F238E27FC236}">
-                <a16:creationId xmlns:a16="http://schemas.microsoft.com/office/drawing/2014/main" id="{D5E05EE1-8957-9F44-8F8E-6BD27683056C}"/>
-              </a:ext>
-            </a:extLst>
-          </p:cNvPr>
-          <p:cNvSpPr txBox="1"/>
-          <p:nvPr/>
-        </p:nvSpPr>
-        <p:spPr>
-          <a:xfrm>
-            <a:off x="3271520" y="4338320"/>
-            <a:ext cx="2752677" cy="707886"/>
-          </a:xfrm>
-          <a:prstGeom prst="rect">
-            <a:avLst/>
-          </a:prstGeom>
-          <a:noFill/>
-        </p:spPr>
-        <p:txBody>
-          <a:bodyPr wrap="none" rtlCol="0">
-            <a:spAutoFit/>
-          </a:bodyPr>
-          <a:lstStyle/>
-          <a:p>
-            <a:r>
-              <a:rPr kumimoji="1" lang="en-US" altLang="ja-JP" sz="4000" dirty="0"/>
-              <a:t>2025/02/20</a:t>
-            </a:r>
-            <a:endParaRPr kumimoji="1" lang="ja-JP" altLang="en-US" sz="4000" dirty="0"/>
-          </a:p>
-        </p:txBody>
-      </p:sp>
     </p:spTree>
     <p:extLst>
       <p:ext uri="{BB962C8B-B14F-4D97-AF65-F5344CB8AC3E}">
@@ -1724,7 +1688,7 @@
           <p:nvPr/>
         </p:nvPicPr>
         <mc:AlternateContent xmlns:mc="http://schemas.openxmlformats.org/markup-compatibility/2006">
-          <mc:Choice xmlns="" xmlns:mv="urn:schemas-microsoft-com:mac:vml" xmlns:ma="http://schemas.microsoft.com/office/mac/drawingml/2008/main" Requires="ma">
+          <mc:Choice xmlns:ma="http://schemas.microsoft.com/office/mac/drawingml/2008/main" xmlns:mv="urn:schemas-microsoft-com:mac:vml" xmlns="" Requires="ma">
             <p:blipFill>
               <a:blip r:embed="rId7"/>
               <a:stretch>
@@ -1768,7 +1732,7 @@
           <p:nvPr/>
         </p:nvPicPr>
         <mc:AlternateContent xmlns:mc="http://schemas.openxmlformats.org/markup-compatibility/2006">
-          <mc:Choice xmlns="" xmlns:mv="urn:schemas-microsoft-com:mac:vml" xmlns:ma="http://schemas.microsoft.com/office/mac/drawingml/2008/main" Requires="ma">
+          <mc:Choice xmlns:ma="http://schemas.microsoft.com/office/mac/drawingml/2008/main" xmlns:mv="urn:schemas-microsoft-com:mac:vml" xmlns="" Requires="ma">
             <p:blipFill>
               <a:blip r:embed="rId9"/>
               <a:stretch>
@@ -2617,7 +2581,7 @@
           <p:nvPr/>
         </p:nvPicPr>
         <p:blipFill>
-          <a:blip r:embed="rId2">
+          <a:blip r:embed="rId2" cstate="print">
             <a:extLst>
               <a:ext uri="{28A0092B-C50C-407E-A947-70E740481C1C}">
                 <a14:useLocalDpi xmlns:a14="http://schemas.microsoft.com/office/drawing/2010/main" val="0"/>
@@ -2664,7 +2628,7 @@
           <p:nvPr/>
         </p:nvPicPr>
         <p:blipFill>
-          <a:blip r:embed="rId3">
+          <a:blip r:embed="rId3" cstate="print">
             <a:extLst>
               <a:ext uri="{28A0092B-C50C-407E-A947-70E740481C1C}">
                 <a14:useLocalDpi xmlns:a14="http://schemas.microsoft.com/office/drawing/2010/main" val="0"/>
